--- a/presentation/Breast Cancer_ppt.pptx
+++ b/presentation/Breast Cancer_ppt.pptx
@@ -4523,7 +4523,7 @@
           <a:p>
             <a:fld id="{EECFF313-F256-47CB-BA32-8C4FC8160EF0}" type="datetimeFigureOut">
               <a:rPr lang="el-GR" smtClean="0"/>
-              <a:t>28/2/26</a:t>
+              <a:t>1/3/26</a:t>
             </a:fld>
             <a:endParaRPr lang="el-GR"/>
           </a:p>
@@ -5721,7 +5721,7 @@
           <a:p>
             <a:fld id="{0F769C7C-D1C6-4960-9809-56E13E543A0E}" type="datetimeFigureOut">
               <a:rPr lang="el-GR" smtClean="0"/>
-              <a:t>28/2/26</a:t>
+              <a:t>1/3/26</a:t>
             </a:fld>
             <a:endParaRPr lang="el-GR"/>
           </a:p>
@@ -5921,7 +5921,7 @@
           <a:p>
             <a:fld id="{0F769C7C-D1C6-4960-9809-56E13E543A0E}" type="datetimeFigureOut">
               <a:rPr lang="el-GR" smtClean="0"/>
-              <a:t>28/2/26</a:t>
+              <a:t>1/3/26</a:t>
             </a:fld>
             <a:endParaRPr lang="el-GR"/>
           </a:p>
@@ -6131,7 +6131,7 @@
           <a:p>
             <a:fld id="{0F769C7C-D1C6-4960-9809-56E13E543A0E}" type="datetimeFigureOut">
               <a:rPr lang="el-GR" smtClean="0"/>
-              <a:t>28/2/26</a:t>
+              <a:t>1/3/26</a:t>
             </a:fld>
             <a:endParaRPr lang="el-GR"/>
           </a:p>
@@ -6331,7 +6331,7 @@
           <a:p>
             <a:fld id="{0F769C7C-D1C6-4960-9809-56E13E543A0E}" type="datetimeFigureOut">
               <a:rPr lang="el-GR" smtClean="0"/>
-              <a:t>28/2/26</a:t>
+              <a:t>1/3/26</a:t>
             </a:fld>
             <a:endParaRPr lang="el-GR"/>
           </a:p>
@@ -6607,7 +6607,7 @@
           <a:p>
             <a:fld id="{0F769C7C-D1C6-4960-9809-56E13E543A0E}" type="datetimeFigureOut">
               <a:rPr lang="el-GR" smtClean="0"/>
-              <a:t>28/2/26</a:t>
+              <a:t>1/3/26</a:t>
             </a:fld>
             <a:endParaRPr lang="el-GR"/>
           </a:p>
@@ -6875,7 +6875,7 @@
           <a:p>
             <a:fld id="{0F769C7C-D1C6-4960-9809-56E13E543A0E}" type="datetimeFigureOut">
               <a:rPr lang="el-GR" smtClean="0"/>
-              <a:t>28/2/26</a:t>
+              <a:t>1/3/26</a:t>
             </a:fld>
             <a:endParaRPr lang="el-GR"/>
           </a:p>
@@ -7290,7 +7290,7 @@
           <a:p>
             <a:fld id="{0F769C7C-D1C6-4960-9809-56E13E543A0E}" type="datetimeFigureOut">
               <a:rPr lang="el-GR" smtClean="0"/>
-              <a:t>28/2/26</a:t>
+              <a:t>1/3/26</a:t>
             </a:fld>
             <a:endParaRPr lang="el-GR"/>
           </a:p>
@@ -7432,7 +7432,7 @@
           <a:p>
             <a:fld id="{0F769C7C-D1C6-4960-9809-56E13E543A0E}" type="datetimeFigureOut">
               <a:rPr lang="el-GR" smtClean="0"/>
-              <a:t>28/2/26</a:t>
+              <a:t>1/3/26</a:t>
             </a:fld>
             <a:endParaRPr lang="el-GR"/>
           </a:p>
@@ -7545,7 +7545,7 @@
           <a:p>
             <a:fld id="{0F769C7C-D1C6-4960-9809-56E13E543A0E}" type="datetimeFigureOut">
               <a:rPr lang="el-GR" smtClean="0"/>
-              <a:t>28/2/26</a:t>
+              <a:t>1/3/26</a:t>
             </a:fld>
             <a:endParaRPr lang="el-GR"/>
           </a:p>
@@ -7858,7 +7858,7 @@
           <a:p>
             <a:fld id="{0F769C7C-D1C6-4960-9809-56E13E543A0E}" type="datetimeFigureOut">
               <a:rPr lang="el-GR" smtClean="0"/>
-              <a:t>28/2/26</a:t>
+              <a:t>1/3/26</a:t>
             </a:fld>
             <a:endParaRPr lang="el-GR"/>
           </a:p>
@@ -8147,7 +8147,7 @@
           <a:p>
             <a:fld id="{0F769C7C-D1C6-4960-9809-56E13E543A0E}" type="datetimeFigureOut">
               <a:rPr lang="el-GR" smtClean="0"/>
-              <a:t>28/2/26</a:t>
+              <a:t>1/3/26</a:t>
             </a:fld>
             <a:endParaRPr lang="el-GR"/>
           </a:p>
@@ -8456,7 +8456,7 @@
           <a:p>
             <a:fld id="{0F769C7C-D1C6-4960-9809-56E13E543A0E}" type="datetimeFigureOut">
               <a:rPr lang="el-GR" smtClean="0"/>
-              <a:t>28/2/26</a:t>
+              <a:t>1/3/26</a:t>
             </a:fld>
             <a:endParaRPr lang="el-GR"/>
           </a:p>
@@ -12504,10 +12504,13 @@
       </p:sp>
       <p:pic>
         <p:nvPicPr>
-          <p:cNvPr id="6" name="Picture 5">
-            <a:extLst>
-              <a:ext uri="{FF2B5EF4-FFF2-40B4-BE49-F238E27FC236}">
-                <a16:creationId xmlns:a16="http://schemas.microsoft.com/office/drawing/2014/main" id="{B2CC46BA-61E8-CC95-BF1C-AA1CF3B6A259}"/>
+          <p:cNvPr id="8" name="Picture 7">
+            <a:extLst>
+              <a:ext uri="{FF2B5EF4-FFF2-40B4-BE49-F238E27FC236}">
+                <a16:creationId xmlns:a16="http://schemas.microsoft.com/office/drawing/2014/main" id="{3F956D94-4D8C-EE35-9A6E-7F7B01E0B40C}"/>
+              </a:ext>
+              <a:ext uri="{C183D7F6-B498-43B3-948B-1728B52AA6E4}">
+                <adec:decorative xmlns:adec="http://schemas.microsoft.com/office/drawing/2017/decorative" val="0"/>
               </a:ext>
             </a:extLst>
           </p:cNvPr>
@@ -12530,8 +12533,8 @@
         </p:blipFill>
         <p:spPr>
           <a:xfrm>
-            <a:off x="223025" y="1018123"/>
-            <a:ext cx="11084312" cy="5175555"/>
+            <a:off x="697073" y="791133"/>
+            <a:ext cx="10748896" cy="5093771"/>
           </a:xfrm>
           <a:prstGeom prst="rect">
             <a:avLst/>
@@ -12781,10 +12784,10 @@
       </p:sp>
       <p:pic>
         <p:nvPicPr>
-          <p:cNvPr id="12" name="Picture 11">
-            <a:extLst>
-              <a:ext uri="{FF2B5EF4-FFF2-40B4-BE49-F238E27FC236}">
-                <a16:creationId xmlns:a16="http://schemas.microsoft.com/office/drawing/2014/main" id="{663447CE-445A-45C4-FE53-BF5784D1BDB9}"/>
+          <p:cNvPr id="4" name="Picture 3">
+            <a:extLst>
+              <a:ext uri="{FF2B5EF4-FFF2-40B4-BE49-F238E27FC236}">
+                <a16:creationId xmlns:a16="http://schemas.microsoft.com/office/drawing/2014/main" id="{5E9E2813-32EC-6F32-0147-8A97C8C91B65}"/>
               </a:ext>
             </a:extLst>
           </p:cNvPr>
@@ -12807,8 +12810,8 @@
         </p:blipFill>
         <p:spPr>
           <a:xfrm>
-            <a:off x="0" y="870611"/>
-            <a:ext cx="12192000" cy="4732658"/>
+            <a:off x="164906" y="870611"/>
+            <a:ext cx="11813229" cy="4619501"/>
           </a:xfrm>
           <a:prstGeom prst="rect">
             <a:avLst/>
